--- a/实验四 聚类算法.pptx
+++ b/实验四 聚类算法.pptx
@@ -228,7 +228,7 @@
           <a:p>
             <a:fld id="{B2D31608-7702-4439-9BD4-6685EBCB706D}" type="datetimeFigureOut">
               <a:rPr lang="zh-CN" altLang="en-US" smtClean="0"/>
-              <a:t>2021/12/13</a:t>
+              <a:t>2022/1/16</a:t>
             </a:fld>
             <a:endParaRPr lang="zh-CN" altLang="en-US"/>
           </a:p>
@@ -1015,7 +1015,7 @@
           <a:p>
             <a:fld id="{81F7C09D-B8B9-4FBA-9025-3533BE8692E9}" type="datetimeFigureOut">
               <a:rPr lang="zh-CN" altLang="en-US" smtClean="0"/>
-              <a:t>2021/12/13</a:t>
+              <a:t>2022/1/16</a:t>
             </a:fld>
             <a:endParaRPr lang="zh-CN" altLang="en-US"/>
           </a:p>
@@ -1178,7 +1178,7 @@
           <a:p>
             <a:fld id="{81F7C09D-B8B9-4FBA-9025-3533BE8692E9}" type="datetimeFigureOut">
               <a:rPr lang="zh-CN" altLang="en-US" smtClean="0"/>
-              <a:t>2021/12/13</a:t>
+              <a:t>2022/1/16</a:t>
             </a:fld>
             <a:endParaRPr lang="zh-CN" altLang="en-US"/>
           </a:p>
@@ -1351,7 +1351,7 @@
           <a:p>
             <a:fld id="{81F7C09D-B8B9-4FBA-9025-3533BE8692E9}" type="datetimeFigureOut">
               <a:rPr lang="zh-CN" altLang="en-US" smtClean="0"/>
-              <a:t>2021/12/13</a:t>
+              <a:t>2022/1/16</a:t>
             </a:fld>
             <a:endParaRPr lang="zh-CN" altLang="en-US"/>
           </a:p>
@@ -1616,7 +1616,7 @@
           <a:p>
             <a:fld id="{81F7C09D-B8B9-4FBA-9025-3533BE8692E9}" type="datetimeFigureOut">
               <a:rPr lang="zh-CN" altLang="en-US" smtClean="0"/>
-              <a:t>2021/12/13</a:t>
+              <a:t>2022/1/16</a:t>
             </a:fld>
             <a:endParaRPr lang="zh-CN" altLang="en-US"/>
           </a:p>
@@ -1856,7 +1856,7 @@
           <a:p>
             <a:fld id="{81F7C09D-B8B9-4FBA-9025-3533BE8692E9}" type="datetimeFigureOut">
               <a:rPr lang="zh-CN" altLang="en-US" smtClean="0"/>
-              <a:t>2021/12/13</a:t>
+              <a:t>2022/1/16</a:t>
             </a:fld>
             <a:endParaRPr lang="zh-CN" altLang="en-US"/>
           </a:p>
@@ -2080,7 +2080,7 @@
           <a:p>
             <a:fld id="{81F7C09D-B8B9-4FBA-9025-3533BE8692E9}" type="datetimeFigureOut">
               <a:rPr lang="zh-CN" altLang="en-US" smtClean="0"/>
-              <a:t>2021/12/13</a:t>
+              <a:t>2022/1/16</a:t>
             </a:fld>
             <a:endParaRPr lang="zh-CN" altLang="en-US"/>
           </a:p>
@@ -2439,7 +2439,7 @@
           <a:p>
             <a:fld id="{81F7C09D-B8B9-4FBA-9025-3533BE8692E9}" type="datetimeFigureOut">
               <a:rPr lang="zh-CN" altLang="en-US" smtClean="0"/>
-              <a:t>2021/12/13</a:t>
+              <a:t>2022/1/16</a:t>
             </a:fld>
             <a:endParaRPr lang="zh-CN" altLang="en-US"/>
           </a:p>
@@ -2551,7 +2551,7 @@
           <a:p>
             <a:fld id="{81F7C09D-B8B9-4FBA-9025-3533BE8692E9}" type="datetimeFigureOut">
               <a:rPr lang="zh-CN" altLang="en-US" smtClean="0"/>
-              <a:t>2021/12/13</a:t>
+              <a:t>2022/1/16</a:t>
             </a:fld>
             <a:endParaRPr lang="zh-CN" altLang="en-US"/>
           </a:p>
@@ -2641,7 +2641,7 @@
           <a:p>
             <a:fld id="{81F7C09D-B8B9-4FBA-9025-3533BE8692E9}" type="datetimeFigureOut">
               <a:rPr lang="zh-CN" altLang="en-US" smtClean="0"/>
-              <a:t>2021/12/13</a:t>
+              <a:t>2022/1/16</a:t>
             </a:fld>
             <a:endParaRPr lang="zh-CN" altLang="en-US"/>
           </a:p>
@@ -2911,7 +2911,7 @@
           <a:p>
             <a:fld id="{81F7C09D-B8B9-4FBA-9025-3533BE8692E9}" type="datetimeFigureOut">
               <a:rPr lang="zh-CN" altLang="en-US" smtClean="0"/>
-              <a:t>2021/12/13</a:t>
+              <a:t>2022/1/16</a:t>
             </a:fld>
             <a:endParaRPr lang="zh-CN" altLang="en-US"/>
           </a:p>
@@ -3158,7 +3158,7 @@
           <a:p>
             <a:fld id="{81F7C09D-B8B9-4FBA-9025-3533BE8692E9}" type="datetimeFigureOut">
               <a:rPr lang="zh-CN" altLang="en-US" smtClean="0"/>
-              <a:t>2021/12/13</a:t>
+              <a:t>2022/1/16</a:t>
             </a:fld>
             <a:endParaRPr lang="zh-CN" altLang="en-US"/>
           </a:p>
@@ -3364,7 +3364,7 @@
           <a:p>
             <a:fld id="{81F7C09D-B8B9-4FBA-9025-3533BE8692E9}" type="datetimeFigureOut">
               <a:rPr lang="zh-CN" altLang="en-US" smtClean="0"/>
-              <a:t>2021/12/13</a:t>
+              <a:t>2022/1/16</a:t>
             </a:fld>
             <a:endParaRPr lang="zh-CN" altLang="en-US"/>
           </a:p>
@@ -5058,8 +5058,8 @@
         </p:nvSpPr>
         <p:spPr>
           <a:xfrm>
-            <a:off x="2611247" y="4153383"/>
-            <a:ext cx="2313454" cy="338554"/>
+            <a:off x="3162680" y="4153383"/>
+            <a:ext cx="1210588" cy="338554"/>
           </a:xfrm>
           <a:prstGeom prst="rect">
             <a:avLst/>
@@ -5101,7 +5101,7 @@
               <a:t>指导教师</a:t>
             </a:r>
             <a:r>
-              <a:rPr kumimoji="1" lang="zh-CN" altLang="en-US" sz="1600" b="0" i="0" u="none" strike="noStrike" kern="1200" cap="none" spc="0" normalizeH="0" baseline="0" noProof="0" dirty="0">
+              <a:rPr kumimoji="1" lang="zh-CN" altLang="en-US" sz="1600" b="0" i="0" u="none" strike="noStrike" kern="1200" cap="none" spc="0" normalizeH="0" baseline="0" noProof="0">
                 <a:ln>
                   <a:noFill/>
                 </a:ln>
@@ -5115,18 +5115,7 @@
                 <a:ea typeface="微软雅黑"/>
                 <a:cs typeface="微软雅黑"/>
               </a:rPr>
-              <a:t>：        </a:t>
-            </a:r>
-            <a:r>
-              <a:rPr kumimoji="1" lang="zh-CN" altLang="en-US" sz="1600" noProof="0" dirty="0">
-                <a:solidFill>
-                  <a:srgbClr val="3D3F41"/>
-                </a:solidFill>
-                <a:latin typeface="微软雅黑"/>
-                <a:ea typeface="微软雅黑"/>
-                <a:cs typeface="微软雅黑"/>
-              </a:rPr>
-              <a:t>崔金华</a:t>
+              <a:t>：</a:t>
             </a:r>
             <a:endParaRPr kumimoji="1" lang="en-US" altLang="zh-CN" sz="1600" b="0" i="0" u="none" strike="noStrike" kern="1200" cap="none" spc="0" normalizeH="0" baseline="0" noProof="0" dirty="0">
               <a:ln>
